--- a/Documents/Präsentationen/Studiduell_WI_Alumni_Treffen.pptx
+++ b/Documents/Präsentationen/Studiduell_WI_Alumni_Treffen.pptx
@@ -829,18 +829,24 @@
           <a:bodyPr/>
           <a:lstStyle/>
           <a:p>
-            <a:pPr lvl="1"/>
+            <a:pPr marL="685800" lvl="1" indent="-228600">
+              <a:buAutoNum type="arabicPeriod"/>
+            </a:pPr>
+            <a:r>
+              <a:rPr lang="de-DE" baseline="0" dirty="0" err="1" smtClean="0"/>
+              <a:t>HomeScreen</a:t>
+            </a:r>
+            <a:endParaRPr lang="de-DE" baseline="0" dirty="0" smtClean="0"/>
+          </a:p>
+          <a:p>
+            <a:pPr marL="685800" lvl="1" indent="-228600">
+              <a:buAutoNum type="arabicPeriod"/>
+            </a:pPr>
             <a:r>
               <a:rPr lang="de-DE" dirty="0" smtClean="0"/>
-              <a:t>1.Spieler registrieren</a:t>
-            </a:r>
-          </a:p>
-          <a:p>
-            <a:pPr lvl="1"/>
-            <a:r>
-              <a:rPr lang="de-DE" dirty="0" smtClean="0"/>
-              <a:t>2.Spieler einloggen</a:t>
-            </a:r>
+              <a:t>Duellanfrage</a:t>
+            </a:r>
+            <a:endParaRPr lang="de-DE" dirty="0" smtClean="0"/>
           </a:p>
           <a:p>
             <a:pPr lvl="1"/>
@@ -850,26 +856,25 @@
             </a:r>
             <a:r>
               <a:rPr lang="de-DE" baseline="0" dirty="0" smtClean="0"/>
-              <a:t>Homescreen </a:t>
-            </a:r>
-            <a:r>
-              <a:rPr lang="de-DE" baseline="0" dirty="0" smtClean="0"/>
-              <a:t>erklären</a:t>
-            </a:r>
-            <a:endParaRPr lang="de-DE" dirty="0" smtClean="0"/>
+              <a:t> 1 Kategorie auswählen </a:t>
+            </a:r>
           </a:p>
           <a:p>
             <a:pPr lvl="1"/>
             <a:r>
               <a:rPr lang="de-DE" dirty="0" smtClean="0"/>
-              <a:t>4.Spieler suchen</a:t>
+              <a:t>4. 1 Runde spielen</a:t>
             </a:r>
           </a:p>
           <a:p>
             <a:pPr lvl="1"/>
             <a:r>
               <a:rPr lang="de-DE" dirty="0" smtClean="0"/>
-              <a:t>5.</a:t>
+              <a:t>5</a:t>
+            </a:r>
+            <a:r>
+              <a:rPr lang="de-DE" dirty="0" smtClean="0"/>
+              <a:t>.</a:t>
             </a:r>
             <a:r>
               <a:rPr lang="de-DE" baseline="0" dirty="0" smtClean="0"/>
@@ -1238,7 +1243,10 @@
               <a:rPr lang="en-US" baseline="0" dirty="0" err="1" smtClean="0"/>
               <a:t>Fragen</a:t>
             </a:r>
-            <a:endParaRPr lang="en-US" baseline="0" dirty="0" smtClean="0"/>
+            <a:r>
+              <a:rPr lang="en-US" baseline="0" dirty="0" smtClean="0"/>
+              <a:t> 1- 9-90-Regel</a:t>
+            </a:r>
           </a:p>
           <a:p>
             <a:pPr marL="228600" indent="-228600">
@@ -1246,35 +1254,35 @@
             </a:pPr>
             <a:r>
               <a:rPr lang="en-US" dirty="0" err="1" smtClean="0"/>
-              <a:t>Siehe</a:t>
-            </a:r>
-            <a:r>
-              <a:rPr lang="en-US" baseline="0" dirty="0" smtClean="0"/>
+              <a:t>langfristiges</a:t>
+            </a:r>
+            <a:r>
+              <a:rPr lang="en-US" dirty="0" smtClean="0"/>
               <a:t> </a:t>
             </a:r>
             <a:r>
-              <a:rPr lang="en-US" baseline="0" dirty="0" err="1" smtClean="0"/>
-              <a:t>Visionsübersicht</a:t>
-            </a:r>
-            <a:r>
-              <a:rPr lang="en-US" baseline="0" dirty="0" smtClean="0"/>
+              <a:rPr lang="en-US" dirty="0" err="1" smtClean="0"/>
+              <a:t>Projekt</a:t>
+            </a:r>
+            <a:r>
+              <a:rPr lang="en-US" dirty="0" smtClean="0"/>
+              <a:t>-&gt; </a:t>
+            </a:r>
+            <a:r>
+              <a:rPr lang="en-US" dirty="0" err="1" smtClean="0"/>
+              <a:t>Teamwechsel</a:t>
+            </a:r>
+            <a:r>
+              <a:rPr lang="en-US" dirty="0" smtClean="0"/>
+              <a:t> -&gt; </a:t>
+            </a:r>
+            <a:r>
+              <a:rPr lang="en-US" dirty="0" err="1" smtClean="0"/>
+              <a:t>Wissenstransfer</a:t>
+            </a:r>
+            <a:r>
+              <a:rPr lang="en-US" dirty="0" smtClean="0"/>
               <a:t> </a:t>
-            </a:r>
-            <a:r>
-              <a:rPr lang="en-US" baseline="0" dirty="0" err="1" smtClean="0"/>
-              <a:t>letzte</a:t>
-            </a:r>
-            <a:r>
-              <a:rPr lang="en-US" baseline="0" dirty="0" smtClean="0"/>
-              <a:t> </a:t>
-            </a:r>
-            <a:r>
-              <a:rPr lang="en-US" baseline="0" dirty="0" err="1" smtClean="0"/>
-              <a:t>Folie</a:t>
-            </a:r>
-            <a:r>
-              <a:rPr lang="en-US" baseline="0" dirty="0" smtClean="0"/>
-              <a:t> -&gt; </a:t>
             </a:r>
             <a:endParaRPr lang="en-US" dirty="0" smtClean="0"/>
           </a:p>
@@ -1325,6 +1333,118 @@
     <p:extLst>
       <p:ext uri="{BB962C8B-B14F-4D97-AF65-F5344CB8AC3E}">
         <p14:creationId xmlns:p14="http://schemas.microsoft.com/office/powerpoint/2010/main" val="2428527750"/>
+      </p:ext>
+    </p:extLst>
+  </p:cSld>
+  <p:clrMapOvr>
+    <a:masterClrMapping/>
+  </p:clrMapOvr>
+</p:notes>
+</file>
+
+<file path=ppt/notesSlides/notesSlide6.xml><?xml version="1.0" encoding="utf-8"?>
+<p:notes xmlns:a="http://schemas.openxmlformats.org/drawingml/2006/main" xmlns:r="http://schemas.openxmlformats.org/officeDocument/2006/relationships" xmlns:p="http://schemas.openxmlformats.org/presentationml/2006/main">
+  <p:cSld>
+    <p:spTree>
+      <p:nvGrpSpPr>
+        <p:cNvPr id="1" name=""/>
+        <p:cNvGrpSpPr/>
+        <p:nvPr/>
+      </p:nvGrpSpPr>
+      <p:grpSpPr>
+        <a:xfrm>
+          <a:off x="0" y="0"/>
+          <a:ext cx="0" cy="0"/>
+          <a:chOff x="0" y="0"/>
+          <a:chExt cx="0" cy="0"/>
+        </a:xfrm>
+      </p:grpSpPr>
+      <p:sp>
+        <p:nvSpPr>
+          <p:cNvPr id="2" name="Slide Image Placeholder 1"/>
+          <p:cNvSpPr>
+            <a:spLocks noGrp="1" noRot="1" noChangeAspect="1"/>
+          </p:cNvSpPr>
+          <p:nvPr>
+            <p:ph type="sldImg"/>
+          </p:nvPr>
+        </p:nvSpPr>
+        <p:spPr/>
+      </p:sp>
+      <p:sp>
+        <p:nvSpPr>
+          <p:cNvPr id="3" name="Notes Placeholder 2"/>
+          <p:cNvSpPr>
+            <a:spLocks noGrp="1"/>
+          </p:cNvSpPr>
+          <p:nvPr>
+            <p:ph type="body" idx="1"/>
+          </p:nvPr>
+        </p:nvSpPr>
+        <p:spPr/>
+        <p:txBody>
+          <a:bodyPr/>
+          <a:lstStyle/>
+          <a:p>
+            <a:r>
+              <a:rPr lang="en-US" dirty="0" err="1" smtClean="0"/>
+              <a:t>Runterladen</a:t>
+            </a:r>
+            <a:r>
+              <a:rPr lang="en-US" dirty="0" smtClean="0"/>
+              <a:t> </a:t>
+            </a:r>
+            <a:r>
+              <a:rPr lang="en-US" dirty="0" err="1" smtClean="0"/>
+              <a:t>über</a:t>
+            </a:r>
+            <a:r>
+              <a:rPr lang="en-US" dirty="0" smtClean="0"/>
+              <a:t> Homepage</a:t>
+            </a:r>
+            <a:r>
+              <a:rPr lang="en-US" baseline="0" dirty="0" smtClean="0"/>
+              <a:t> </a:t>
+            </a:r>
+            <a:r>
+              <a:rPr lang="en-US" baseline="0" dirty="0" err="1" smtClean="0"/>
+              <a:t>für</a:t>
+            </a:r>
+            <a:r>
+              <a:rPr lang="en-US" baseline="0" dirty="0" smtClean="0"/>
+              <a:t> Android</a:t>
+            </a:r>
+            <a:endParaRPr lang="en-US" dirty="0"/>
+          </a:p>
+        </p:txBody>
+      </p:sp>
+      <p:sp>
+        <p:nvSpPr>
+          <p:cNvPr id="4" name="Slide Number Placeholder 3"/>
+          <p:cNvSpPr>
+            <a:spLocks noGrp="1"/>
+          </p:cNvSpPr>
+          <p:nvPr>
+            <p:ph type="sldNum" sz="quarter" idx="10"/>
+          </p:nvPr>
+        </p:nvSpPr>
+        <p:spPr/>
+        <p:txBody>
+          <a:bodyPr/>
+          <a:lstStyle/>
+          <a:p>
+            <a:fld id="{BE068A66-658E-4B20-A224-C8B3BE3333BC}" type="slidenum">
+              <a:rPr lang="en-US" smtClean="0"/>
+              <a:t>8</a:t>
+            </a:fld>
+            <a:endParaRPr lang="en-US"/>
+          </a:p>
+        </p:txBody>
+      </p:sp>
+    </p:spTree>
+    <p:extLst>
+      <p:ext uri="{BB962C8B-B14F-4D97-AF65-F5344CB8AC3E}">
+        <p14:creationId xmlns:p14="http://schemas.microsoft.com/office/powerpoint/2010/main" val="1856219795"/>
       </p:ext>
     </p:extLst>
   </p:cSld>
@@ -7452,7 +7572,7 @@
           <a:p>
             <a:r>
               <a:rPr lang="de-DE" dirty="0" smtClean="0"/>
-              <a:t>Produktpräsentation– </a:t>
+              <a:t>Produktpräsentation – </a:t>
             </a:r>
             <a:r>
               <a:rPr lang="de-DE" dirty="0" err="1" smtClean="0"/>
@@ -11310,11 +11430,11 @@
           <p:nvPr/>
         </p:nvPicPr>
         <p:blipFill>
-          <a:blip r:embed="rId2">
+          <a:blip r:embed="rId3">
             <a:extLst>
               <a:ext uri="{BEBA8EAE-BF5A-486C-A8C5-ECC9F3942E4B}">
                 <a14:imgProps xmlns:a14="http://schemas.microsoft.com/office/drawing/2010/main">
-                  <a14:imgLayer r:embed="rId3">
+                  <a14:imgLayer r:embed="rId4">
                     <a14:imgEffect>
                       <a14:saturation sat="0"/>
                     </a14:imgEffect>
@@ -11541,7 +11661,7 @@
           <p:nvPr/>
         </p:nvPicPr>
         <p:blipFill>
-          <a:blip r:embed="rId4">
+          <a:blip r:embed="rId5">
             <a:extLst>
               <a:ext uri="{28A0092B-C50C-407E-A947-70E740481C1C}">
                 <a14:useLocalDpi xmlns:a14="http://schemas.microsoft.com/office/drawing/2010/main" val="0"/>
